--- a/PLPTH813Bioinformatis/2021/labs/lab09_qtl_gwas.pptx
+++ b/PLPTH813Bioinformatis/2021/labs/lab09_qtl_gwas.pptx
@@ -21,7 +21,7 @@
     <p:sldId id="322" r:id="rId12"/>
     <p:sldId id="323" r:id="rId13"/>
     <p:sldId id="333" r:id="rId14"/>
-    <p:sldId id="326" r:id="rId15"/>
+    <p:sldId id="341" r:id="rId15"/>
     <p:sldId id="339" r:id="rId16"/>
     <p:sldId id="335" r:id="rId17"/>
     <p:sldId id="327" r:id="rId18"/>
@@ -229,7 +229,7 @@
           <a:p>
             <a:fld id="{08E6E0A8-E17C-C949-B17E-7A1A6494483A}" type="datetimeFigureOut">
               <a:rPr lang="en-US" smtClean="0"/>
-              <a:t>3/29/21</a:t>
+              <a:t>3/31/21</a:t>
             </a:fld>
             <a:endParaRPr lang="en-US"/>
           </a:p>
@@ -675,7 +675,7 @@
           <a:p>
             <a:fld id="{42B8B0BE-C8D7-EB48-AD68-71DB5002F24B}" type="datetimeFigureOut">
               <a:rPr lang="en-US" smtClean="0"/>
-              <a:t>3/29/21</a:t>
+              <a:t>3/31/21</a:t>
             </a:fld>
             <a:endParaRPr lang="en-US"/>
           </a:p>
@@ -843,7 +843,7 @@
           <a:p>
             <a:fld id="{42B8B0BE-C8D7-EB48-AD68-71DB5002F24B}" type="datetimeFigureOut">
               <a:rPr lang="en-US" smtClean="0"/>
-              <a:t>3/29/21</a:t>
+              <a:t>3/31/21</a:t>
             </a:fld>
             <a:endParaRPr lang="en-US"/>
           </a:p>
@@ -1021,7 +1021,7 @@
           <a:p>
             <a:fld id="{42B8B0BE-C8D7-EB48-AD68-71DB5002F24B}" type="datetimeFigureOut">
               <a:rPr lang="en-US" smtClean="0"/>
-              <a:t>3/29/21</a:t>
+              <a:t>3/31/21</a:t>
             </a:fld>
             <a:endParaRPr lang="en-US"/>
           </a:p>
@@ -1189,7 +1189,7 @@
           <a:p>
             <a:fld id="{42B8B0BE-C8D7-EB48-AD68-71DB5002F24B}" type="datetimeFigureOut">
               <a:rPr lang="en-US" smtClean="0"/>
-              <a:t>3/29/21</a:t>
+              <a:t>3/31/21</a:t>
             </a:fld>
             <a:endParaRPr lang="en-US"/>
           </a:p>
@@ -1434,7 +1434,7 @@
           <a:p>
             <a:fld id="{42B8B0BE-C8D7-EB48-AD68-71DB5002F24B}" type="datetimeFigureOut">
               <a:rPr lang="en-US" smtClean="0"/>
-              <a:t>3/29/21</a:t>
+              <a:t>3/31/21</a:t>
             </a:fld>
             <a:endParaRPr lang="en-US"/>
           </a:p>
@@ -1719,7 +1719,7 @@
           <a:p>
             <a:fld id="{42B8B0BE-C8D7-EB48-AD68-71DB5002F24B}" type="datetimeFigureOut">
               <a:rPr lang="en-US" smtClean="0"/>
-              <a:t>3/29/21</a:t>
+              <a:t>3/31/21</a:t>
             </a:fld>
             <a:endParaRPr lang="en-US"/>
           </a:p>
@@ -2138,7 +2138,7 @@
           <a:p>
             <a:fld id="{42B8B0BE-C8D7-EB48-AD68-71DB5002F24B}" type="datetimeFigureOut">
               <a:rPr lang="en-US" smtClean="0"/>
-              <a:t>3/29/21</a:t>
+              <a:t>3/31/21</a:t>
             </a:fld>
             <a:endParaRPr lang="en-US"/>
           </a:p>
@@ -2255,7 +2255,7 @@
           <a:p>
             <a:fld id="{42B8B0BE-C8D7-EB48-AD68-71DB5002F24B}" type="datetimeFigureOut">
               <a:rPr lang="en-US" smtClean="0"/>
-              <a:t>3/29/21</a:t>
+              <a:t>3/31/21</a:t>
             </a:fld>
             <a:endParaRPr lang="en-US"/>
           </a:p>
@@ -2350,7 +2350,7 @@
           <a:p>
             <a:fld id="{42B8B0BE-C8D7-EB48-AD68-71DB5002F24B}" type="datetimeFigureOut">
               <a:rPr lang="en-US" smtClean="0"/>
-              <a:t>3/29/21</a:t>
+              <a:t>3/31/21</a:t>
             </a:fld>
             <a:endParaRPr lang="en-US"/>
           </a:p>
@@ -2625,7 +2625,7 @@
           <a:p>
             <a:fld id="{42B8B0BE-C8D7-EB48-AD68-71DB5002F24B}" type="datetimeFigureOut">
               <a:rPr lang="en-US" smtClean="0"/>
-              <a:t>3/29/21</a:t>
+              <a:t>3/31/21</a:t>
             </a:fld>
             <a:endParaRPr lang="en-US"/>
           </a:p>
@@ -2877,7 +2877,7 @@
           <a:p>
             <a:fld id="{42B8B0BE-C8D7-EB48-AD68-71DB5002F24B}" type="datetimeFigureOut">
               <a:rPr lang="en-US" smtClean="0"/>
-              <a:t>3/29/21</a:t>
+              <a:t>3/31/21</a:t>
             </a:fld>
             <a:endParaRPr lang="en-US"/>
           </a:p>
@@ -3088,7 +3088,7 @@
           <a:p>
             <a:fld id="{42B8B0BE-C8D7-EB48-AD68-71DB5002F24B}" type="datetimeFigureOut">
               <a:rPr lang="en-US" smtClean="0"/>
-              <a:t>3/29/21</a:t>
+              <a:t>3/31/21</a:t>
             </a:fld>
             <a:endParaRPr lang="en-US"/>
           </a:p>
@@ -4706,7 +4706,13 @@
       </p:grpSpPr>
       <p:sp>
         <p:nvSpPr>
-          <p:cNvPr id="2" name="Title 1"/>
+          <p:cNvPr id="2" name="Title 1">
+            <a:extLst>
+              <a:ext uri="{FF2B5EF4-FFF2-40B4-BE49-F238E27FC236}">
+                <a16:creationId xmlns:a16="http://schemas.microsoft.com/office/drawing/2014/main" id="{3E90AC99-85E1-0D46-8A6B-BFA779C308D8}"/>
+              </a:ext>
+            </a:extLst>
+          </p:cNvPr>
           <p:cNvSpPr>
             <a:spLocks noGrp="1"/>
           </p:cNvSpPr>
@@ -4728,7 +4734,13 @@
       </p:sp>
       <p:sp>
         <p:nvSpPr>
-          <p:cNvPr id="3" name="Content Placeholder 2"/>
+          <p:cNvPr id="3" name="Content Placeholder 2">
+            <a:extLst>
+              <a:ext uri="{FF2B5EF4-FFF2-40B4-BE49-F238E27FC236}">
+                <a16:creationId xmlns:a16="http://schemas.microsoft.com/office/drawing/2014/main" id="{B3AFC577-CDA2-504D-B90B-0F0C720E906D}"/>
+              </a:ext>
+            </a:extLst>
+          </p:cNvPr>
           <p:cNvSpPr>
             <a:spLocks noGrp="1"/>
           </p:cNvSpPr>
@@ -4738,8 +4750,8 @@
         </p:nvSpPr>
         <p:spPr>
           <a:xfrm>
-            <a:off x="1088252" y="1585871"/>
-            <a:ext cx="7598548" cy="4319629"/>
+            <a:off x="495300" y="918912"/>
+            <a:ext cx="8229600" cy="5708775"/>
           </a:xfrm>
         </p:spPr>
         <p:txBody>
@@ -4753,7 +4765,23 @@
             </a:pPr>
             <a:r>
               <a:rPr lang="en-US" dirty="0"/>
-              <a:t># install GAPIT related packages</a:t>
+              <a:t>if (!</a:t>
+            </a:r>
+            <a:r>
+              <a:rPr lang="en-US" dirty="0" err="1"/>
+              <a:t>requireNamespace</a:t>
+            </a:r>
+            <a:r>
+              <a:rPr lang="en-US" dirty="0"/>
+              <a:t>("</a:t>
+            </a:r>
+            <a:r>
+              <a:rPr lang="en-US" dirty="0" err="1"/>
+              <a:t>BiocManager</a:t>
+            </a:r>
+            <a:r>
+              <a:rPr lang="en-US" dirty="0"/>
+              <a:t>", quietly = TRUE))</a:t>
             </a:r>
           </a:p>
           <a:p>
@@ -4762,19 +4790,19 @@
             </a:pPr>
             <a:r>
               <a:rPr lang="en-US" dirty="0"/>
-              <a:t>source("http://</a:t>
+              <a:t>    </a:t>
             </a:r>
             <a:r>
               <a:rPr lang="en-US" dirty="0" err="1"/>
-              <a:t>www.bioconductor.org</a:t>
+              <a:t>install.packages</a:t>
             </a:r>
             <a:r>
               <a:rPr lang="en-US" dirty="0"/>
-              <a:t>/</a:t>
+              <a:t>("</a:t>
             </a:r>
             <a:r>
               <a:rPr lang="en-US" dirty="0" err="1"/>
-              <a:t>biocLite.R</a:t>
+              <a:t>BiocManager</a:t>
             </a:r>
             <a:r>
               <a:rPr lang="en-US" dirty="0"/>
@@ -4787,7 +4815,95 @@
             </a:pPr>
             <a:r>
               <a:rPr lang="en-US" dirty="0" err="1"/>
-              <a:t>biocLite</a:t>
+              <a:t>BiocManager</a:t>
+            </a:r>
+            <a:r>
+              <a:rPr lang="en-US" dirty="0"/>
+              <a:t>::install()</a:t>
+            </a:r>
+          </a:p>
+          <a:p>
+            <a:pPr marL="0" indent="0">
+              <a:buNone/>
+            </a:pPr>
+            <a:endParaRPr lang="en-US" dirty="0"/>
+          </a:p>
+          <a:p>
+            <a:pPr marL="0" indent="0">
+              <a:buNone/>
+            </a:pPr>
+            <a:r>
+              <a:rPr lang="en-US" dirty="0"/>
+              <a:t># Install specific packages:</a:t>
+            </a:r>
+          </a:p>
+          <a:p>
+            <a:pPr marL="0" indent="0">
+              <a:buNone/>
+            </a:pPr>
+            <a:r>
+              <a:rPr lang="en-US" dirty="0"/>
+              <a:t># "</a:t>
+            </a:r>
+            <a:r>
+              <a:rPr lang="en-US" dirty="0" err="1"/>
+              <a:t>multtest</a:t>
+            </a:r>
+            <a:r>
+              <a:rPr lang="en-US" dirty="0"/>
+              <a:t>". "chopsticks", "</a:t>
+            </a:r>
+            <a:r>
+              <a:rPr lang="en-US" dirty="0" err="1"/>
+              <a:t>snpStats</a:t>
+            </a:r>
+            <a:r>
+              <a:rPr lang="en-US" dirty="0"/>
+              <a:t>”</a:t>
+            </a:r>
+          </a:p>
+          <a:p>
+            <a:pPr marL="0" indent="0">
+              <a:buNone/>
+            </a:pPr>
+            <a:r>
+              <a:rPr lang="en-US" dirty="0" err="1"/>
+              <a:t>BiocManager</a:t>
+            </a:r>
+            <a:r>
+              <a:rPr lang="en-US" dirty="0"/>
+              <a:t>::install(c("</a:t>
+            </a:r>
+            <a:r>
+              <a:rPr lang="en-US" dirty="0" err="1"/>
+              <a:t>multtest</a:t>
+            </a:r>
+            <a:r>
+              <a:rPr lang="en-US" dirty="0"/>
+              <a:t>", "chopsticks", "</a:t>
+            </a:r>
+            <a:r>
+              <a:rPr lang="en-US" dirty="0" err="1"/>
+              <a:t>snpStats</a:t>
+            </a:r>
+            <a:r>
+              <a:rPr lang="en-US" dirty="0"/>
+              <a:t>"))</a:t>
+            </a:r>
+          </a:p>
+          <a:p>
+            <a:pPr marL="0" indent="0">
+              <a:buNone/>
+            </a:pPr>
+            <a:endParaRPr lang="en-US" dirty="0"/>
+          </a:p>
+          <a:p>
+            <a:pPr marL="0" indent="0">
+              <a:buNone/>
+            </a:pPr>
+            <a:r>
+              <a:rPr lang="en-US" dirty="0" err="1"/>
+              <a:t>install.packages</a:t>
             </a:r>
             <a:r>
               <a:rPr lang="en-US" dirty="0"/>
@@ -4795,66 +4911,11 @@
             </a:r>
             <a:r>
               <a:rPr lang="en-US" dirty="0" err="1"/>
-              <a:t>multtest</a:t>
+              <a:t>gplots</a:t>
             </a:r>
             <a:r>
               <a:rPr lang="en-US" dirty="0"/>
               <a:t>")</a:t>
-            </a:r>
-          </a:p>
-          <a:p>
-            <a:pPr marL="0" indent="0">
-              <a:buNone/>
-            </a:pPr>
-            <a:r>
-              <a:rPr lang="en-US" dirty="0" err="1"/>
-              <a:t>biocLite</a:t>
-            </a:r>
-            <a:r>
-              <a:rPr lang="en-US" dirty="0"/>
-              <a:t>("chopsticks")</a:t>
-            </a:r>
-          </a:p>
-          <a:p>
-            <a:pPr marL="0" indent="0">
-              <a:buNone/>
-            </a:pPr>
-            <a:r>
-              <a:rPr lang="en-US" dirty="0" err="1"/>
-              <a:t>install.packages</a:t>
-            </a:r>
-            <a:r>
-              <a:rPr lang="en-US" dirty="0"/>
-              <a:t>("</a:t>
-            </a:r>
-            <a:r>
-              <a:rPr lang="en-US" dirty="0" err="1"/>
-              <a:t>gplots</a:t>
-            </a:r>
-            <a:r>
-              <a:rPr lang="en-US" dirty="0"/>
-              <a:t>")</a:t>
-            </a:r>
-          </a:p>
-          <a:p>
-            <a:pPr marL="0" indent="0">
-              <a:buNone/>
-            </a:pPr>
-            <a:r>
-              <a:rPr lang="en-US" dirty="0" err="1"/>
-              <a:t>biocLite</a:t>
-            </a:r>
-            <a:r>
-              <a:rPr lang="en-US" dirty="0"/>
-              <a:t>("</a:t>
-            </a:r>
-            <a:r>
-              <a:rPr lang="en-US" dirty="0" err="1"/>
-              <a:t>snpStats</a:t>
-            </a:r>
-            <a:r>
-              <a:rPr lang="en-US" dirty="0"/>
-              <a:t>”)</a:t>
             </a:r>
           </a:p>
           <a:p>
@@ -4928,7 +4989,7 @@
     </p:spTree>
     <p:extLst>
       <p:ext uri="{BB962C8B-B14F-4D97-AF65-F5344CB8AC3E}">
-        <p14:creationId xmlns:p14="http://schemas.microsoft.com/office/powerpoint/2010/main" val="3807803769"/>
+        <p14:creationId xmlns:p14="http://schemas.microsoft.com/office/powerpoint/2010/main" val="3752708070"/>
       </p:ext>
     </p:extLst>
   </p:cSld>
@@ -5569,13 +5630,13 @@
         </p:nvSpPr>
         <p:spPr>
           <a:xfrm>
-            <a:off x="464238" y="1384877"/>
-            <a:ext cx="8222562" cy="3198036"/>
+            <a:off x="464238" y="1384876"/>
+            <a:ext cx="8222562" cy="4673023"/>
           </a:xfrm>
         </p:spPr>
         <p:txBody>
           <a:bodyPr>
-            <a:normAutofit/>
+            <a:noAutofit/>
           </a:bodyPr>
           <a:lstStyle/>
           <a:p>
@@ -5583,19 +5644,19 @@
               <a:buNone/>
             </a:pPr>
             <a:r>
-              <a:rPr lang="en-US" sz="2000" dirty="0" err="1"/>
+              <a:rPr lang="en-US" dirty="0" err="1"/>
               <a:t>dp</a:t>
             </a:r>
             <a:r>
-              <a:rPr lang="en-US" sz="2000" dirty="0"/>
+              <a:rPr lang="en-US" dirty="0"/>
               <a:t>="/homes/liu3zhen/teaching/datasets/</a:t>
             </a:r>
             <a:r>
-              <a:rPr lang="en-US" sz="2000" dirty="0" err="1"/>
+              <a:rPr lang="en-US" dirty="0" err="1"/>
               <a:t>gwas</a:t>
             </a:r>
             <a:r>
-              <a:rPr lang="en-US" sz="2000" dirty="0"/>
+              <a:rPr lang="en-US" dirty="0"/>
               <a:t>"</a:t>
             </a:r>
           </a:p>
@@ -5603,14 +5664,14 @@
             <a:pPr marL="0" indent="0">
               <a:buNone/>
             </a:pPr>
-            <a:endParaRPr lang="en-US" sz="2000" dirty="0"/>
+            <a:endParaRPr lang="en-US" dirty="0"/>
           </a:p>
           <a:p>
             <a:pPr marL="0" indent="0">
               <a:buNone/>
             </a:pPr>
             <a:r>
-              <a:rPr lang="en-US" sz="2000" dirty="0"/>
+              <a:rPr lang="en-US" dirty="0"/>
               <a:t># step 1: Set data directory and import files</a:t>
             </a:r>
           </a:p>
@@ -5619,35 +5680,35 @@
               <a:buNone/>
             </a:pPr>
             <a:r>
-              <a:rPr lang="en-US" sz="1800" dirty="0" err="1"/>
+              <a:rPr lang="en-US" dirty="0" err="1"/>
               <a:t>myY</a:t>
             </a:r>
             <a:r>
-              <a:rPr lang="en-US" sz="1800" dirty="0"/>
+              <a:rPr lang="en-US" dirty="0"/>
               <a:t>  &lt;- </a:t>
             </a:r>
             <a:r>
-              <a:rPr lang="en-US" sz="1800" dirty="0" err="1"/>
+              <a:rPr lang="en-US" dirty="0" err="1"/>
               <a:t>read.table</a:t>
             </a:r>
             <a:r>
-              <a:rPr lang="en-US" sz="1800" dirty="0"/>
+              <a:rPr lang="en-US" dirty="0"/>
               <a:t>(paste0(</a:t>
             </a:r>
             <a:r>
-              <a:rPr lang="en-US" sz="1800" dirty="0" err="1"/>
+              <a:rPr lang="en-US" dirty="0" err="1"/>
               <a:t>dp</a:t>
             </a:r>
             <a:r>
-              <a:rPr lang="en-US" sz="1800" dirty="0"/>
+              <a:rPr lang="en-US" dirty="0"/>
               <a:t>, "/</a:t>
             </a:r>
             <a:r>
-              <a:rPr lang="en-US" sz="1800" dirty="0" err="1"/>
+              <a:rPr lang="en-US" dirty="0" err="1"/>
               <a:t>mdp_traits.txt</a:t>
             </a:r>
             <a:r>
-              <a:rPr lang="en-US" sz="1800" dirty="0"/>
+              <a:rPr lang="en-US" dirty="0"/>
               <a:t>"), header = T)</a:t>
             </a:r>
           </a:p>
@@ -5656,50 +5717,59 @@
               <a:buNone/>
             </a:pPr>
             <a:r>
-              <a:rPr lang="en-US" sz="1800" dirty="0" err="1"/>
+              <a:rPr lang="en-US" dirty="0" err="1"/>
               <a:t>myG</a:t>
             </a:r>
             <a:r>
-              <a:rPr lang="en-US" sz="1800" dirty="0"/>
+              <a:rPr lang="en-US" dirty="0"/>
               <a:t> &lt;- </a:t>
             </a:r>
             <a:r>
-              <a:rPr lang="en-US" sz="1800" dirty="0" err="1"/>
+              <a:rPr lang="en-US" dirty="0" err="1"/>
               <a:t>read.delim</a:t>
             </a:r>
             <a:r>
-              <a:rPr lang="en-US" sz="1800" dirty="0"/>
+              <a:rPr lang="en-US" dirty="0"/>
               <a:t>(paste0(</a:t>
             </a:r>
             <a:r>
-              <a:rPr lang="en-US" sz="1800" dirty="0" err="1"/>
+              <a:rPr lang="en-US" dirty="0" err="1"/>
               <a:t>dp</a:t>
             </a:r>
             <a:r>
-              <a:rPr lang="en-US" sz="1800" dirty="0"/>
+              <a:rPr lang="en-US" dirty="0"/>
               <a:t>, "/</a:t>
             </a:r>
             <a:r>
-              <a:rPr lang="en-US" sz="1800" dirty="0" err="1"/>
+              <a:rPr lang="en-US" dirty="0" err="1"/>
               <a:t>mdp_genotype_test.hmp.txt</a:t>
             </a:r>
             <a:r>
-              <a:rPr lang="en-US" sz="1800" dirty="0"/>
-              <a:t>"), header = F)</a:t>
+              <a:rPr lang="en-US" dirty="0"/>
+              <a:t>"),</a:t>
             </a:r>
           </a:p>
           <a:p>
             <a:pPr marL="0" indent="0">
               <a:buNone/>
             </a:pPr>
-            <a:endParaRPr lang="en-US" sz="2000" dirty="0"/>
+            <a:r>
+              <a:rPr lang="en-US" dirty="0"/>
+              <a:t>                                   header = F)</a:t>
+            </a:r>
           </a:p>
           <a:p>
             <a:pPr marL="0" indent="0">
               <a:buNone/>
             </a:pPr>
-            <a:r>
-              <a:rPr lang="en-US" sz="2000" dirty="0"/>
+            <a:endParaRPr lang="en-US" dirty="0"/>
+          </a:p>
+          <a:p>
+            <a:pPr marL="0" indent="0">
+              <a:buNone/>
+            </a:pPr>
+            <a:r>
+              <a:rPr lang="en-US" dirty="0"/>
               <a:t># step 2: Run GAPIT</a:t>
             </a:r>
           </a:p>
@@ -5708,35 +5778,35 @@
               <a:buNone/>
             </a:pPr>
             <a:r>
-              <a:rPr lang="en-US" sz="2000" dirty="0" err="1"/>
+              <a:rPr lang="en-US" dirty="0" err="1"/>
               <a:t>myGAPIT</a:t>
             </a:r>
             <a:r>
-              <a:rPr lang="en-US" sz="2000" dirty="0"/>
+              <a:rPr lang="en-US" dirty="0"/>
               <a:t> &lt;- GAPIT(Y=</a:t>
             </a:r>
             <a:r>
-              <a:rPr lang="en-US" sz="2000" dirty="0" err="1"/>
+              <a:rPr lang="en-US" dirty="0" err="1"/>
               <a:t>myY</a:t>
             </a:r>
             <a:r>
-              <a:rPr lang="en-US" sz="2000" dirty="0"/>
+              <a:rPr lang="en-US" dirty="0"/>
               <a:t>[, 1:2], G=</a:t>
             </a:r>
             <a:r>
-              <a:rPr lang="en-US" sz="2000" dirty="0" err="1"/>
+              <a:rPr lang="en-US" dirty="0" err="1"/>
               <a:t>myG</a:t>
             </a:r>
             <a:r>
-              <a:rPr lang="en-US" sz="2000" dirty="0"/>
+              <a:rPr lang="en-US" dirty="0"/>
               <a:t>, </a:t>
             </a:r>
             <a:r>
-              <a:rPr lang="en-US" sz="2000" dirty="0" err="1"/>
+              <a:rPr lang="en-US" dirty="0" err="1"/>
               <a:t>PCA.total</a:t>
             </a:r>
             <a:r>
-              <a:rPr lang="en-US" sz="2000" dirty="0"/>
+              <a:rPr lang="en-US" dirty="0"/>
               <a:t>=3)</a:t>
             </a:r>
           </a:p>
@@ -5744,7 +5814,7 @@
             <a:pPr marL="0" indent="0">
               <a:buNone/>
             </a:pPr>
-            <a:endParaRPr lang="en-US" sz="2000" dirty="0"/>
+            <a:endParaRPr lang="en-US" dirty="0"/>
           </a:p>
         </p:txBody>
       </p:sp>
@@ -10828,18 +10898,20 @@
         </p:nvSpPr>
         <p:spPr/>
         <p:txBody>
-          <a:bodyPr/>
+          <a:bodyPr>
+            <a:normAutofit/>
+          </a:bodyPr>
           <a:lstStyle/>
           <a:p>
             <a:r>
-              <a:rPr lang="en-US" dirty="0"/>
+              <a:rPr lang="en-US" sz="3200" dirty="0"/>
               <a:t>Install R/</a:t>
             </a:r>
             <a:r>
-              <a:rPr lang="en-US" dirty="0" err="1"/>
+              <a:rPr lang="en-US" sz="3200" dirty="0" err="1"/>
               <a:t>qtl</a:t>
             </a:r>
-            <a:endParaRPr lang="en-US" dirty="0"/>
+            <a:endParaRPr lang="en-US" sz="3200" dirty="0"/>
           </a:p>
         </p:txBody>
       </p:sp>
@@ -11209,7 +11281,7 @@
           <a:graphicData uri="http://schemas.openxmlformats.org/presentationml/2006/ole">
             <mc:AlternateContent xmlns:mc="http://schemas.openxmlformats.org/markup-compatibility/2006">
               <mc:Choice xmlns:v="urn:schemas-microsoft-com:vml" Requires="v">
-                <p:oleObj spid="_x0000_s1066" name="Worksheet" r:id="rId4" imgW="6273800" imgH="1346200" progId="Excel.Sheet.12">
+                <p:oleObj spid="_x0000_s1068" name="Worksheet" r:id="rId4" imgW="6273800" imgH="1346200" progId="Excel.Sheet.12">
                   <p:embed/>
                 </p:oleObj>
               </mc:Choice>

--- a/PLPTH813Bioinformatis/2021/labs/lab09_qtl_gwas.pptx
+++ b/PLPTH813Bioinformatis/2021/labs/lab09_qtl_gwas.pptx
@@ -229,7 +229,7 @@
           <a:p>
             <a:fld id="{08E6E0A8-E17C-C949-B17E-7A1A6494483A}" type="datetimeFigureOut">
               <a:rPr lang="en-US" smtClean="0"/>
-              <a:t>3/31/21</a:t>
+              <a:t>4/1/21</a:t>
             </a:fld>
             <a:endParaRPr lang="en-US"/>
           </a:p>
@@ -675,7 +675,7 @@
           <a:p>
             <a:fld id="{42B8B0BE-C8D7-EB48-AD68-71DB5002F24B}" type="datetimeFigureOut">
               <a:rPr lang="en-US" smtClean="0"/>
-              <a:t>3/31/21</a:t>
+              <a:t>4/1/21</a:t>
             </a:fld>
             <a:endParaRPr lang="en-US"/>
           </a:p>
@@ -843,7 +843,7 @@
           <a:p>
             <a:fld id="{42B8B0BE-C8D7-EB48-AD68-71DB5002F24B}" type="datetimeFigureOut">
               <a:rPr lang="en-US" smtClean="0"/>
-              <a:t>3/31/21</a:t>
+              <a:t>4/1/21</a:t>
             </a:fld>
             <a:endParaRPr lang="en-US"/>
           </a:p>
@@ -1021,7 +1021,7 @@
           <a:p>
             <a:fld id="{42B8B0BE-C8D7-EB48-AD68-71DB5002F24B}" type="datetimeFigureOut">
               <a:rPr lang="en-US" smtClean="0"/>
-              <a:t>3/31/21</a:t>
+              <a:t>4/1/21</a:t>
             </a:fld>
             <a:endParaRPr lang="en-US"/>
           </a:p>
@@ -1189,7 +1189,7 @@
           <a:p>
             <a:fld id="{42B8B0BE-C8D7-EB48-AD68-71DB5002F24B}" type="datetimeFigureOut">
               <a:rPr lang="en-US" smtClean="0"/>
-              <a:t>3/31/21</a:t>
+              <a:t>4/1/21</a:t>
             </a:fld>
             <a:endParaRPr lang="en-US"/>
           </a:p>
@@ -1434,7 +1434,7 @@
           <a:p>
             <a:fld id="{42B8B0BE-C8D7-EB48-AD68-71DB5002F24B}" type="datetimeFigureOut">
               <a:rPr lang="en-US" smtClean="0"/>
-              <a:t>3/31/21</a:t>
+              <a:t>4/1/21</a:t>
             </a:fld>
             <a:endParaRPr lang="en-US"/>
           </a:p>
@@ -1719,7 +1719,7 @@
           <a:p>
             <a:fld id="{42B8B0BE-C8D7-EB48-AD68-71DB5002F24B}" type="datetimeFigureOut">
               <a:rPr lang="en-US" smtClean="0"/>
-              <a:t>3/31/21</a:t>
+              <a:t>4/1/21</a:t>
             </a:fld>
             <a:endParaRPr lang="en-US"/>
           </a:p>
@@ -2138,7 +2138,7 @@
           <a:p>
             <a:fld id="{42B8B0BE-C8D7-EB48-AD68-71DB5002F24B}" type="datetimeFigureOut">
               <a:rPr lang="en-US" smtClean="0"/>
-              <a:t>3/31/21</a:t>
+              <a:t>4/1/21</a:t>
             </a:fld>
             <a:endParaRPr lang="en-US"/>
           </a:p>
@@ -2255,7 +2255,7 @@
           <a:p>
             <a:fld id="{42B8B0BE-C8D7-EB48-AD68-71DB5002F24B}" type="datetimeFigureOut">
               <a:rPr lang="en-US" smtClean="0"/>
-              <a:t>3/31/21</a:t>
+              <a:t>4/1/21</a:t>
             </a:fld>
             <a:endParaRPr lang="en-US"/>
           </a:p>
@@ -2350,7 +2350,7 @@
           <a:p>
             <a:fld id="{42B8B0BE-C8D7-EB48-AD68-71DB5002F24B}" type="datetimeFigureOut">
               <a:rPr lang="en-US" smtClean="0"/>
-              <a:t>3/31/21</a:t>
+              <a:t>4/1/21</a:t>
             </a:fld>
             <a:endParaRPr lang="en-US"/>
           </a:p>
@@ -2625,7 +2625,7 @@
           <a:p>
             <a:fld id="{42B8B0BE-C8D7-EB48-AD68-71DB5002F24B}" type="datetimeFigureOut">
               <a:rPr lang="en-US" smtClean="0"/>
-              <a:t>3/31/21</a:t>
+              <a:t>4/1/21</a:t>
             </a:fld>
             <a:endParaRPr lang="en-US"/>
           </a:p>
@@ -2877,7 +2877,7 @@
           <a:p>
             <a:fld id="{42B8B0BE-C8D7-EB48-AD68-71DB5002F24B}" type="datetimeFigureOut">
               <a:rPr lang="en-US" smtClean="0"/>
-              <a:t>3/31/21</a:t>
+              <a:t>4/1/21</a:t>
             </a:fld>
             <a:endParaRPr lang="en-US"/>
           </a:p>
@@ -3088,7 +3088,7 @@
           <a:p>
             <a:fld id="{42B8B0BE-C8D7-EB48-AD68-71DB5002F24B}" type="datetimeFigureOut">
               <a:rPr lang="en-US" smtClean="0"/>
-              <a:t>3/31/21</a:t>
+              <a:t>4/1/21</a:t>
             </a:fld>
             <a:endParaRPr lang="en-US"/>
           </a:p>
@@ -11281,7 +11281,7 @@
           <a:graphicData uri="http://schemas.openxmlformats.org/presentationml/2006/ole">
             <mc:AlternateContent xmlns:mc="http://schemas.openxmlformats.org/markup-compatibility/2006">
               <mc:Choice xmlns:v="urn:schemas-microsoft-com:vml" Requires="v">
-                <p:oleObj spid="_x0000_s1068" name="Worksheet" r:id="rId4" imgW="6273800" imgH="1346200" progId="Excel.Sheet.12">
+                <p:oleObj spid="_x0000_s1069" name="Worksheet" r:id="rId4" imgW="6273800" imgH="1346200" progId="Excel.Sheet.12">
                   <p:embed/>
                 </p:oleObj>
               </mc:Choice>
